--- a/Examples.pptx
+++ b/Examples.pptx
@@ -5,15 +5,16 @@
     <p:sldMasterId id="2147483648" r:id="rId1"/>
   </p:sldMasterIdLst>
   <p:sldIdLst>
-    <p:sldId id="256" r:id="rId2"/>
-    <p:sldId id="257" r:id="rId3"/>
+    <p:sldId id="257" r:id="rId2"/>
+    <p:sldId id="267" r:id="rId3"/>
     <p:sldId id="258" r:id="rId4"/>
     <p:sldId id="260" r:id="rId5"/>
     <p:sldId id="261" r:id="rId6"/>
     <p:sldId id="262" r:id="rId7"/>
     <p:sldId id="264" r:id="rId8"/>
     <p:sldId id="265" r:id="rId9"/>
-    <p:sldId id="263" r:id="rId10"/>
+    <p:sldId id="266" r:id="rId10"/>
+    <p:sldId id="263" r:id="rId11"/>
   </p:sldIdLst>
   <p:sldSz cx="12192000" cy="6858000"/>
   <p:notesSz cx="6858000" cy="9144000"/>
@@ -120,8 +121,56 @@
 </p:presentation>
 </file>
 
+<file path=ppt/revisionInfo.xml><?xml version="1.0" encoding="utf-8"?>
+<p1510:revInfo xmlns:a="http://schemas.openxmlformats.org/drawingml/2006/main" xmlns:r="http://schemas.openxmlformats.org/officeDocument/2006/relationships" xmlns:p1510="http://schemas.microsoft.com/office/powerpoint/2015/10/main">
+  <p1510:revLst>
+    <p1510:client id="{E092DB25-0122-4126-B6DD-1E58EF86AD97}" v="2" dt="2024-03-18T09:39:38.366"/>
+  </p1510:revLst>
+</p1510:revInfo>
+</file>
+
 <file path=ppt/changesInfos/changesInfo1.xml><?xml version="1.0" encoding="utf-8"?>
 <pc:chgInfo xmlns:a="http://schemas.openxmlformats.org/drawingml/2006/main" xmlns:r="http://schemas.openxmlformats.org/officeDocument/2006/relationships" xmlns:ac="http://schemas.microsoft.com/office/drawing/2013/main/command" xmlns:pc="http://schemas.microsoft.com/office/powerpoint/2013/main/command">
+  <pc:docChgLst>
+    <pc:chgData name="Carroll, Declan" userId="5605921e-dd34-42ad-aa72-9a2357a468d2" providerId="ADAL" clId="{E092DB25-0122-4126-B6DD-1E58EF86AD97}"/>
+    <pc:docChg chg="modSld">
+      <pc:chgData name="Carroll, Declan" userId="5605921e-dd34-42ad-aa72-9a2357a468d2" providerId="ADAL" clId="{E092DB25-0122-4126-B6DD-1E58EF86AD97}" dt="2024-03-18T09:39:38.366" v="1"/>
+      <pc:docMkLst>
+        <pc:docMk/>
+      </pc:docMkLst>
+      <pc:sldChg chg="modSp">
+        <pc:chgData name="Carroll, Declan" userId="5605921e-dd34-42ad-aa72-9a2357a468d2" providerId="ADAL" clId="{E092DB25-0122-4126-B6DD-1E58EF86AD97}" dt="2024-03-18T09:39:38.366" v="1"/>
+        <pc:sldMkLst>
+          <pc:docMk/>
+          <pc:sldMk cId="1972279380" sldId="267"/>
+        </pc:sldMkLst>
+        <pc:graphicFrameChg chg="mod">
+          <ac:chgData name="Carroll, Declan" userId="5605921e-dd34-42ad-aa72-9a2357a468d2" providerId="ADAL" clId="{E092DB25-0122-4126-B6DD-1E58EF86AD97}" dt="2024-03-18T09:39:38.366" v="1"/>
+          <ac:graphicFrameMkLst>
+            <pc:docMk/>
+            <pc:sldMk cId="1972279380" sldId="267"/>
+            <ac:graphicFrameMk id="4" creationId="{2CCDAF46-B1A1-7BA8-6C30-83A92072E153}"/>
+          </ac:graphicFrameMkLst>
+        </pc:graphicFrameChg>
+      </pc:sldChg>
+    </pc:docChg>
+  </pc:docChgLst>
+  <pc:docChgLst>
+    <pc:chgData name="Carroll, Declan" userId="5605921e-dd34-42ad-aa72-9a2357a468d2" providerId="ADAL" clId="{DF7687BD-21D7-421C-B899-D943A43F9080}"/>
+    <pc:docChg chg="delSld">
+      <pc:chgData name="Carroll, Declan" userId="5605921e-dd34-42ad-aa72-9a2357a468d2" providerId="ADAL" clId="{DF7687BD-21D7-421C-B899-D943A43F9080}" dt="2024-03-13T12:34:09.940" v="0" actId="2696"/>
+      <pc:docMkLst>
+        <pc:docMk/>
+      </pc:docMkLst>
+      <pc:sldChg chg="del">
+        <pc:chgData name="Carroll, Declan" userId="5605921e-dd34-42ad-aa72-9a2357a468d2" providerId="ADAL" clId="{DF7687BD-21D7-421C-B899-D943A43F9080}" dt="2024-03-13T12:34:09.940" v="0" actId="2696"/>
+        <pc:sldMkLst>
+          <pc:docMk/>
+          <pc:sldMk cId="3419225254" sldId="256"/>
+        </pc:sldMkLst>
+      </pc:sldChg>
+    </pc:docChg>
+  </pc:docChgLst>
   <pc:docChgLst>
     <pc:chgData name="Declan Carroll" userId="5605921e-dd34-42ad-aa72-9a2357a468d2" providerId="ADAL" clId="{CED22E6D-DD3D-4AAD-B3E4-40B0AB519EFB}"/>
     <pc:docChg chg="modSld sldOrd">
@@ -142,6 +191,76 @@
           <pc:docMk/>
           <pc:sldMk cId="825806383" sldId="262"/>
         </pc:sldMkLst>
+      </pc:sldChg>
+    </pc:docChg>
+  </pc:docChgLst>
+  <pc:docChgLst>
+    <pc:chgData name="Carroll, Declan" userId="5605921e-dd34-42ad-aa72-9a2357a468d2" providerId="ADAL" clId="{C551645E-8E9E-418F-BE79-6F3D227F9318}"/>
+    <pc:docChg chg="custSel addSld modSld">
+      <pc:chgData name="Carroll, Declan" userId="5605921e-dd34-42ad-aa72-9a2357a468d2" providerId="ADAL" clId="{C551645E-8E9E-418F-BE79-6F3D227F9318}" dt="2024-03-12T16:27:43.452" v="59" actId="1076"/>
+      <pc:docMkLst>
+        <pc:docMk/>
+      </pc:docMkLst>
+      <pc:sldChg chg="modSp mod">
+        <pc:chgData name="Carroll, Declan" userId="5605921e-dd34-42ad-aa72-9a2357a468d2" providerId="ADAL" clId="{C551645E-8E9E-418F-BE79-6F3D227F9318}" dt="2024-03-12T16:04:53.612" v="7" actId="20577"/>
+        <pc:sldMkLst>
+          <pc:docMk/>
+          <pc:sldMk cId="338773561" sldId="264"/>
+        </pc:sldMkLst>
+        <pc:spChg chg="mod">
+          <ac:chgData name="Carroll, Declan" userId="5605921e-dd34-42ad-aa72-9a2357a468d2" providerId="ADAL" clId="{C551645E-8E9E-418F-BE79-6F3D227F9318}" dt="2024-03-12T16:04:53.612" v="7" actId="20577"/>
+          <ac:spMkLst>
+            <pc:docMk/>
+            <pc:sldMk cId="338773561" sldId="264"/>
+            <ac:spMk id="2" creationId="{4788BDAF-C51A-782C-0412-9EBE515EE330}"/>
+          </ac:spMkLst>
+        </pc:spChg>
+      </pc:sldChg>
+      <pc:sldChg chg="modSp mod">
+        <pc:chgData name="Carroll, Declan" userId="5605921e-dd34-42ad-aa72-9a2357a468d2" providerId="ADAL" clId="{C551645E-8E9E-418F-BE79-6F3D227F9318}" dt="2024-03-12T16:05:28.430" v="20" actId="20577"/>
+        <pc:sldMkLst>
+          <pc:docMk/>
+          <pc:sldMk cId="2870098944" sldId="265"/>
+        </pc:sldMkLst>
+        <pc:spChg chg="mod">
+          <ac:chgData name="Carroll, Declan" userId="5605921e-dd34-42ad-aa72-9a2357a468d2" providerId="ADAL" clId="{C551645E-8E9E-418F-BE79-6F3D227F9318}" dt="2024-03-12T16:05:28.430" v="20" actId="20577"/>
+          <ac:spMkLst>
+            <pc:docMk/>
+            <pc:sldMk cId="2870098944" sldId="265"/>
+            <ac:spMk id="2" creationId="{09877AA9-1BE0-7CFE-9C30-77017D9F63DE}"/>
+          </ac:spMkLst>
+        </pc:spChg>
+      </pc:sldChg>
+      <pc:sldChg chg="addSp delSp modSp new mod">
+        <pc:chgData name="Carroll, Declan" userId="5605921e-dd34-42ad-aa72-9a2357a468d2" providerId="ADAL" clId="{C551645E-8E9E-418F-BE79-6F3D227F9318}" dt="2024-03-12T16:27:43.452" v="59" actId="1076"/>
+        <pc:sldMkLst>
+          <pc:docMk/>
+          <pc:sldMk cId="3259373425" sldId="266"/>
+        </pc:sldMkLst>
+        <pc:spChg chg="mod">
+          <ac:chgData name="Carroll, Declan" userId="5605921e-dd34-42ad-aa72-9a2357a468d2" providerId="ADAL" clId="{C551645E-8E9E-418F-BE79-6F3D227F9318}" dt="2024-03-12T16:11:00.811" v="56" actId="20577"/>
+          <ac:spMkLst>
+            <pc:docMk/>
+            <pc:sldMk cId="3259373425" sldId="266"/>
+            <ac:spMk id="2" creationId="{100DBA0A-4847-C30B-F472-9EA2A7611088}"/>
+          </ac:spMkLst>
+        </pc:spChg>
+        <pc:spChg chg="del">
+          <ac:chgData name="Carroll, Declan" userId="5605921e-dd34-42ad-aa72-9a2357a468d2" providerId="ADAL" clId="{C551645E-8E9E-418F-BE79-6F3D227F9318}" dt="2024-03-12T16:11:10.353" v="57" actId="478"/>
+          <ac:spMkLst>
+            <pc:docMk/>
+            <pc:sldMk cId="3259373425" sldId="266"/>
+            <ac:spMk id="3" creationId="{FA42ECEA-7DED-1D59-95BD-3ED199FB3926}"/>
+          </ac:spMkLst>
+        </pc:spChg>
+        <pc:picChg chg="add mod">
+          <ac:chgData name="Carroll, Declan" userId="5605921e-dd34-42ad-aa72-9a2357a468d2" providerId="ADAL" clId="{C551645E-8E9E-418F-BE79-6F3D227F9318}" dt="2024-03-12T16:27:43.452" v="59" actId="1076"/>
+          <ac:picMkLst>
+            <pc:docMk/>
+            <pc:sldMk cId="3259373425" sldId="266"/>
+            <ac:picMk id="5" creationId="{BE0CF8E7-91AC-1F6E-DECF-3A3829057E50}"/>
+          </ac:picMkLst>
+        </pc:picChg>
       </pc:sldChg>
     </pc:docChg>
   </pc:docChgLst>
@@ -297,7 +416,7 @@
           <a:p>
             <a:fld id="{04009EE5-B018-4EF5-A2C9-53A0701D86A3}" type="datetimeFigureOut">
               <a:rPr lang="en-GB" smtClean="0"/>
-              <a:t>04/03/2024</a:t>
+              <a:t>18/03/2024</a:t>
             </a:fld>
             <a:endParaRPr lang="en-GB"/>
           </a:p>
@@ -497,7 +616,7 @@
           <a:p>
             <a:fld id="{04009EE5-B018-4EF5-A2C9-53A0701D86A3}" type="datetimeFigureOut">
               <a:rPr lang="en-GB" smtClean="0"/>
-              <a:t>04/03/2024</a:t>
+              <a:t>18/03/2024</a:t>
             </a:fld>
             <a:endParaRPr lang="en-GB"/>
           </a:p>
@@ -707,7 +826,7 @@
           <a:p>
             <a:fld id="{04009EE5-B018-4EF5-A2C9-53A0701D86A3}" type="datetimeFigureOut">
               <a:rPr lang="en-GB" smtClean="0"/>
-              <a:t>04/03/2024</a:t>
+              <a:t>18/03/2024</a:t>
             </a:fld>
             <a:endParaRPr lang="en-GB"/>
           </a:p>
@@ -907,7 +1026,7 @@
           <a:p>
             <a:fld id="{04009EE5-B018-4EF5-A2C9-53A0701D86A3}" type="datetimeFigureOut">
               <a:rPr lang="en-GB" smtClean="0"/>
-              <a:t>04/03/2024</a:t>
+              <a:t>18/03/2024</a:t>
             </a:fld>
             <a:endParaRPr lang="en-GB"/>
           </a:p>
@@ -1183,7 +1302,7 @@
           <a:p>
             <a:fld id="{04009EE5-B018-4EF5-A2C9-53A0701D86A3}" type="datetimeFigureOut">
               <a:rPr lang="en-GB" smtClean="0"/>
-              <a:t>04/03/2024</a:t>
+              <a:t>18/03/2024</a:t>
             </a:fld>
             <a:endParaRPr lang="en-GB"/>
           </a:p>
@@ -1451,7 +1570,7 @@
           <a:p>
             <a:fld id="{04009EE5-B018-4EF5-A2C9-53A0701D86A3}" type="datetimeFigureOut">
               <a:rPr lang="en-GB" smtClean="0"/>
-              <a:t>04/03/2024</a:t>
+              <a:t>18/03/2024</a:t>
             </a:fld>
             <a:endParaRPr lang="en-GB"/>
           </a:p>
@@ -1866,7 +1985,7 @@
           <a:p>
             <a:fld id="{04009EE5-B018-4EF5-A2C9-53A0701D86A3}" type="datetimeFigureOut">
               <a:rPr lang="en-GB" smtClean="0"/>
-              <a:t>04/03/2024</a:t>
+              <a:t>18/03/2024</a:t>
             </a:fld>
             <a:endParaRPr lang="en-GB"/>
           </a:p>
@@ -2008,7 +2127,7 @@
           <a:p>
             <a:fld id="{04009EE5-B018-4EF5-A2C9-53A0701D86A3}" type="datetimeFigureOut">
               <a:rPr lang="en-GB" smtClean="0"/>
-              <a:t>04/03/2024</a:t>
+              <a:t>18/03/2024</a:t>
             </a:fld>
             <a:endParaRPr lang="en-GB"/>
           </a:p>
@@ -2121,7 +2240,7 @@
           <a:p>
             <a:fld id="{04009EE5-B018-4EF5-A2C9-53A0701D86A3}" type="datetimeFigureOut">
               <a:rPr lang="en-GB" smtClean="0"/>
-              <a:t>04/03/2024</a:t>
+              <a:t>18/03/2024</a:t>
             </a:fld>
             <a:endParaRPr lang="en-GB"/>
           </a:p>
@@ -2434,7 +2553,7 @@
           <a:p>
             <a:fld id="{04009EE5-B018-4EF5-A2C9-53A0701D86A3}" type="datetimeFigureOut">
               <a:rPr lang="en-GB" smtClean="0"/>
-              <a:t>04/03/2024</a:t>
+              <a:t>18/03/2024</a:t>
             </a:fld>
             <a:endParaRPr lang="en-GB"/>
           </a:p>
@@ -2723,7 +2842,7 @@
           <a:p>
             <a:fld id="{04009EE5-B018-4EF5-A2C9-53A0701D86A3}" type="datetimeFigureOut">
               <a:rPr lang="en-GB" smtClean="0"/>
-              <a:t>04/03/2024</a:t>
+              <a:t>18/03/2024</a:t>
             </a:fld>
             <a:endParaRPr lang="en-GB"/>
           </a:p>
@@ -2966,7 +3085,7 @@
           <a:p>
             <a:fld id="{04009EE5-B018-4EF5-A2C9-53A0701D86A3}" type="datetimeFigureOut">
               <a:rPr lang="en-GB" smtClean="0"/>
-              <a:t>04/03/2024</a:t>
+              <a:t>18/03/2024</a:t>
             </a:fld>
             <a:endParaRPr lang="en-GB"/>
           </a:p>
@@ -3369,69 +3488,6 @@
 <file path=ppt/slides/slide1.xml><?xml version="1.0" encoding="utf-8"?>
 <p:sld xmlns:a="http://schemas.openxmlformats.org/drawingml/2006/main" xmlns:r="http://schemas.openxmlformats.org/officeDocument/2006/relationships" xmlns:p="http://schemas.openxmlformats.org/presentationml/2006/main">
   <p:cSld>
-    <p:spTree>
-      <p:nvGrpSpPr>
-        <p:cNvPr id="1" name=""/>
-        <p:cNvGrpSpPr/>
-        <p:nvPr/>
-      </p:nvGrpSpPr>
-      <p:grpSpPr>
-        <a:xfrm>
-          <a:off x="0" y="0"/>
-          <a:ext cx="0" cy="0"/>
-          <a:chOff x="0" y="0"/>
-          <a:chExt cx="0" cy="0"/>
-        </a:xfrm>
-      </p:grpSpPr>
-      <p:sp>
-        <p:nvSpPr>
-          <p:cNvPr id="2" name="Title 1">
-            <a:extLst>
-              <a:ext uri="{FF2B5EF4-FFF2-40B4-BE49-F238E27FC236}">
-                <a16:creationId xmlns:a16="http://schemas.microsoft.com/office/drawing/2014/main" id="{6D3BB60F-16CB-606C-51A2-E93AACABB49B}"/>
-              </a:ext>
-            </a:extLst>
-          </p:cNvPr>
-          <p:cNvSpPr>
-            <a:spLocks noGrp="1"/>
-          </p:cNvSpPr>
-          <p:nvPr>
-            <p:ph type="ctrTitle"/>
-          </p:nvPr>
-        </p:nvSpPr>
-        <p:spPr>
-          <a:xfrm>
-            <a:off x="1524000" y="1691530"/>
-            <a:ext cx="9144000" cy="2387600"/>
-          </a:xfrm>
-        </p:spPr>
-        <p:txBody>
-          <a:bodyPr/>
-          <a:lstStyle/>
-          <a:p>
-            <a:r>
-              <a:rPr lang="en-GB" dirty="0"/>
-              <a:t>OCC Task 1 Activity B</a:t>
-            </a:r>
-          </a:p>
-        </p:txBody>
-      </p:sp>
-    </p:spTree>
-    <p:extLst>
-      <p:ext uri="{BB962C8B-B14F-4D97-AF65-F5344CB8AC3E}">
-        <p14:creationId xmlns:p14="http://schemas.microsoft.com/office/powerpoint/2010/main" val="3419225254"/>
-      </p:ext>
-    </p:extLst>
-  </p:cSld>
-  <p:clrMapOvr>
-    <a:masterClrMapping/>
-  </p:clrMapOvr>
-</p:sld>
-</file>
-
-<file path=ppt/slides/slide2.xml><?xml version="1.0" encoding="utf-8"?>
-<p:sld xmlns:a="http://schemas.openxmlformats.org/drawingml/2006/main" xmlns:r="http://schemas.openxmlformats.org/officeDocument/2006/relationships" xmlns:p="http://schemas.openxmlformats.org/presentationml/2006/main">
-  <p:cSld>
     <p:bg>
       <p:bgPr>
         <a:solidFill>
@@ -3720,6 +3776,579 @@
       <p:bldP spid="2" grpId="0"/>
     </p:bldLst>
   </p:timing>
+</p:sld>
+</file>
+
+<file path=ppt/slides/slide10.xml><?xml version="1.0" encoding="utf-8"?>
+<p:sld xmlns:a="http://schemas.openxmlformats.org/drawingml/2006/main" xmlns:r="http://schemas.openxmlformats.org/officeDocument/2006/relationships" xmlns:p="http://schemas.openxmlformats.org/presentationml/2006/main">
+  <p:cSld>
+    <p:spTree>
+      <p:nvGrpSpPr>
+        <p:cNvPr id="1" name=""/>
+        <p:cNvGrpSpPr/>
+        <p:nvPr/>
+      </p:nvGrpSpPr>
+      <p:grpSpPr>
+        <a:xfrm>
+          <a:off x="0" y="0"/>
+          <a:ext cx="0" cy="0"/>
+          <a:chOff x="0" y="0"/>
+          <a:chExt cx="0" cy="0"/>
+        </a:xfrm>
+      </p:grpSpPr>
+      <p:sp>
+        <p:nvSpPr>
+          <p:cNvPr id="2" name="Title 1">
+            <a:extLst>
+              <a:ext uri="{FF2B5EF4-FFF2-40B4-BE49-F238E27FC236}">
+                <a16:creationId xmlns:a16="http://schemas.microsoft.com/office/drawing/2014/main" id="{A1A144F5-930C-D94C-9FE7-159736519B20}"/>
+              </a:ext>
+            </a:extLst>
+          </p:cNvPr>
+          <p:cNvSpPr>
+            <a:spLocks noGrp="1"/>
+          </p:cNvSpPr>
+          <p:nvPr>
+            <p:ph type="title"/>
+          </p:nvPr>
+        </p:nvSpPr>
+        <p:spPr/>
+        <p:txBody>
+          <a:bodyPr/>
+          <a:lstStyle/>
+          <a:p>
+            <a:r>
+              <a:rPr lang="en-GB" dirty="0"/>
+              <a:t>Additional Notes:</a:t>
+            </a:r>
+          </a:p>
+        </p:txBody>
+      </p:sp>
+      <p:sp>
+        <p:nvSpPr>
+          <p:cNvPr id="3" name="Content Placeholder 2">
+            <a:extLst>
+              <a:ext uri="{FF2B5EF4-FFF2-40B4-BE49-F238E27FC236}">
+                <a16:creationId xmlns:a16="http://schemas.microsoft.com/office/drawing/2014/main" id="{1F8460D3-F5F4-A256-25EF-0DC07B005728}"/>
+              </a:ext>
+            </a:extLst>
+          </p:cNvPr>
+          <p:cNvSpPr>
+            <a:spLocks noGrp="1"/>
+          </p:cNvSpPr>
+          <p:nvPr>
+            <p:ph idx="1"/>
+          </p:nvPr>
+        </p:nvSpPr>
+        <p:spPr/>
+        <p:txBody>
+          <a:bodyPr/>
+          <a:lstStyle/>
+          <a:p>
+            <a:r>
+              <a:rPr lang="en-GB" dirty="0"/>
+              <a:t>Explain everything in detail</a:t>
+            </a:r>
+          </a:p>
+          <a:p>
+            <a:r>
+              <a:rPr lang="en-GB" dirty="0"/>
+              <a:t>Detail</a:t>
+            </a:r>
+          </a:p>
+          <a:p>
+            <a:r>
+              <a:rPr lang="en-GB" dirty="0"/>
+              <a:t>Detail</a:t>
+            </a:r>
+          </a:p>
+          <a:p>
+            <a:r>
+              <a:rPr lang="en-GB" dirty="0"/>
+              <a:t>TOO MUCH DETAIL</a:t>
+            </a:r>
+          </a:p>
+        </p:txBody>
+      </p:sp>
+    </p:spTree>
+    <p:extLst>
+      <p:ext uri="{BB962C8B-B14F-4D97-AF65-F5344CB8AC3E}">
+        <p14:creationId xmlns:p14="http://schemas.microsoft.com/office/powerpoint/2010/main" val="708403527"/>
+      </p:ext>
+    </p:extLst>
+  </p:cSld>
+  <p:clrMapOvr>
+    <a:masterClrMapping/>
+  </p:clrMapOvr>
+</p:sld>
+</file>
+
+<file path=ppt/slides/slide2.xml><?xml version="1.0" encoding="utf-8"?>
+<p:sld xmlns:a="http://schemas.openxmlformats.org/drawingml/2006/main" xmlns:r="http://schemas.openxmlformats.org/officeDocument/2006/relationships" xmlns:p="http://schemas.openxmlformats.org/presentationml/2006/main">
+  <p:cSld>
+    <p:spTree>
+      <p:nvGrpSpPr>
+        <p:cNvPr id="1" name=""/>
+        <p:cNvGrpSpPr/>
+        <p:nvPr/>
+      </p:nvGrpSpPr>
+      <p:grpSpPr>
+        <a:xfrm>
+          <a:off x="0" y="0"/>
+          <a:ext cx="0" cy="0"/>
+          <a:chOff x="0" y="0"/>
+          <a:chExt cx="0" cy="0"/>
+        </a:xfrm>
+      </p:grpSpPr>
+      <p:sp>
+        <p:nvSpPr>
+          <p:cNvPr id="2" name="Title 1">
+            <a:extLst>
+              <a:ext uri="{FF2B5EF4-FFF2-40B4-BE49-F238E27FC236}">
+                <a16:creationId xmlns:a16="http://schemas.microsoft.com/office/drawing/2014/main" id="{226F82F9-FD41-B8F5-54C8-AACB5947607A}"/>
+              </a:ext>
+            </a:extLst>
+          </p:cNvPr>
+          <p:cNvSpPr>
+            <a:spLocks noGrp="1"/>
+          </p:cNvSpPr>
+          <p:nvPr>
+            <p:ph type="title"/>
+          </p:nvPr>
+        </p:nvSpPr>
+        <p:spPr>
+          <a:xfrm>
+            <a:off x="0" y="0"/>
+            <a:ext cx="9606094" cy="1086681"/>
+          </a:xfrm>
+        </p:spPr>
+        <p:txBody>
+          <a:bodyPr/>
+          <a:lstStyle/>
+          <a:p>
+            <a:r>
+              <a:rPr lang="en-GB" dirty="0"/>
+              <a:t>Data Dictionary Entities</a:t>
+            </a:r>
+          </a:p>
+        </p:txBody>
+      </p:sp>
+      <p:sp>
+        <p:nvSpPr>
+          <p:cNvPr id="3" name="Content Placeholder 2">
+            <a:extLst>
+              <a:ext uri="{FF2B5EF4-FFF2-40B4-BE49-F238E27FC236}">
+                <a16:creationId xmlns:a16="http://schemas.microsoft.com/office/drawing/2014/main" id="{6C725933-8480-8ED7-A856-61DB67CFBADD}"/>
+              </a:ext>
+            </a:extLst>
+          </p:cNvPr>
+          <p:cNvSpPr>
+            <a:spLocks noGrp="1"/>
+          </p:cNvSpPr>
+          <p:nvPr>
+            <p:ph idx="1"/>
+          </p:nvPr>
+        </p:nvSpPr>
+        <p:spPr>
+          <a:xfrm>
+            <a:off x="131427" y="3324589"/>
+            <a:ext cx="5629013" cy="3600523"/>
+          </a:xfrm>
+        </p:spPr>
+        <p:txBody>
+          <a:bodyPr>
+            <a:normAutofit/>
+          </a:bodyPr>
+          <a:lstStyle/>
+          <a:p>
+            <a:r>
+              <a:rPr lang="en-GB" dirty="0"/>
+              <a:t>Users</a:t>
+            </a:r>
+          </a:p>
+          <a:p>
+            <a:r>
+              <a:rPr lang="en-GB" dirty="0"/>
+              <a:t>Account</a:t>
+            </a:r>
+          </a:p>
+          <a:p>
+            <a:r>
+              <a:rPr lang="en-GB" dirty="0"/>
+              <a:t>Booking</a:t>
+            </a:r>
+          </a:p>
+          <a:p>
+            <a:r>
+              <a:rPr lang="en-GB" dirty="0"/>
+              <a:t>Tickets</a:t>
+            </a:r>
+          </a:p>
+          <a:p>
+            <a:r>
+              <a:rPr lang="en-GB" dirty="0"/>
+              <a:t>Animals</a:t>
+            </a:r>
+          </a:p>
+          <a:p>
+            <a:r>
+              <a:rPr lang="en-GB" dirty="0"/>
+              <a:t>Rooms</a:t>
+            </a:r>
+          </a:p>
+          <a:p>
+            <a:r>
+              <a:rPr lang="en-GB" dirty="0"/>
+              <a:t>Facilities</a:t>
+            </a:r>
+          </a:p>
+          <a:p>
+            <a:endParaRPr lang="en-GB" dirty="0"/>
+          </a:p>
+          <a:p>
+            <a:endParaRPr lang="en-GB" dirty="0"/>
+          </a:p>
+          <a:p>
+            <a:endParaRPr lang="en-GB" dirty="0"/>
+          </a:p>
+        </p:txBody>
+      </p:sp>
+      <p:graphicFrame>
+        <p:nvGraphicFramePr>
+          <p:cNvPr id="4" name="Table 4">
+            <a:extLst>
+              <a:ext uri="{FF2B5EF4-FFF2-40B4-BE49-F238E27FC236}">
+                <a16:creationId xmlns:a16="http://schemas.microsoft.com/office/drawing/2014/main" id="{2CCDAF46-B1A1-7BA8-6C30-83A92072E153}"/>
+              </a:ext>
+            </a:extLst>
+          </p:cNvPr>
+          <p:cNvGraphicFramePr>
+            <a:graphicFrameLocks noGrp="1"/>
+          </p:cNvGraphicFramePr>
+          <p:nvPr>
+            <p:extLst>
+              <p:ext uri="{D42A27DB-BD31-4B8C-83A1-F6EECF244321}">
+                <p14:modId xmlns:p14="http://schemas.microsoft.com/office/powerpoint/2010/main" val="3231341131"/>
+              </p:ext>
+            </p:extLst>
+          </p:nvPr>
+        </p:nvGraphicFramePr>
+        <p:xfrm>
+          <a:off x="1696440" y="736444"/>
+          <a:ext cx="8128000" cy="2865120"/>
+        </p:xfrm>
+        <a:graphic>
+          <a:graphicData uri="http://schemas.openxmlformats.org/drawingml/2006/table">
+            <a:tbl>
+              <a:tblPr firstRow="1" bandRow="1">
+                <a:tableStyleId>{2D5ABB26-0587-4C30-8999-92F81FD0307C}</a:tableStyleId>
+              </a:tblPr>
+              <a:tblGrid>
+                <a:gridCol w="4064000">
+                  <a:extLst>
+                    <a:ext uri="{9D8B030D-6E8A-4147-A177-3AD203B41FA5}">
+                      <a16:colId xmlns:a16="http://schemas.microsoft.com/office/drawing/2014/main" val="1480572745"/>
+                    </a:ext>
+                  </a:extLst>
+                </a:gridCol>
+                <a:gridCol w="4064000">
+                  <a:extLst>
+                    <a:ext uri="{9D8B030D-6E8A-4147-A177-3AD203B41FA5}">
+                      <a16:colId xmlns:a16="http://schemas.microsoft.com/office/drawing/2014/main" val="1510532126"/>
+                    </a:ext>
+                  </a:extLst>
+                </a:gridCol>
+              </a:tblGrid>
+              <a:tr h="370840">
+                <a:tc>
+                  <a:txBody>
+                    <a:bodyPr/>
+                    <a:lstStyle/>
+                    <a:p>
+                      <a:r>
+                        <a:rPr lang="en-GB" dirty="0"/>
+                        <a:t>Users</a:t>
+                      </a:r>
+                    </a:p>
+                  </a:txBody>
+                  <a:tcPr/>
+                </a:tc>
+                <a:tc>
+                  <a:txBody>
+                    <a:bodyPr/>
+                    <a:lstStyle/>
+                    <a:p>
+                      <a:r>
+                        <a:rPr lang="en-GB" dirty="0" err="1"/>
+                        <a:t>UserID</a:t>
+                      </a:r>
+                      <a:r>
+                        <a:rPr lang="en-GB" dirty="0"/>
+                        <a:t>, Name, </a:t>
+                      </a:r>
+                      <a:r>
+                        <a:rPr lang="en-GB" dirty="0" err="1"/>
+                        <a:t>CardDetails</a:t>
+                      </a:r>
+                      <a:endParaRPr lang="en-GB" dirty="0"/>
+                    </a:p>
+                  </a:txBody>
+                  <a:tcPr/>
+                </a:tc>
+                <a:extLst>
+                  <a:ext uri="{0D108BD9-81ED-4DB2-BD59-A6C34878D82A}">
+                    <a16:rowId xmlns:a16="http://schemas.microsoft.com/office/drawing/2014/main" val="541699444"/>
+                  </a:ext>
+                </a:extLst>
+              </a:tr>
+              <a:tr h="370840">
+                <a:tc>
+                  <a:txBody>
+                    <a:bodyPr/>
+                    <a:lstStyle/>
+                    <a:p>
+                      <a:r>
+                        <a:rPr lang="en-GB" dirty="0"/>
+                        <a:t>Account</a:t>
+                      </a:r>
+                    </a:p>
+                  </a:txBody>
+                  <a:tcPr/>
+                </a:tc>
+                <a:tc>
+                  <a:txBody>
+                    <a:bodyPr/>
+                    <a:lstStyle/>
+                    <a:p>
+                      <a:r>
+                        <a:rPr lang="en-GB" dirty="0" err="1"/>
+                        <a:t>AccountID</a:t>
+                      </a:r>
+                      <a:r>
+                        <a:rPr lang="en-GB" dirty="0"/>
+                        <a:t>, Username, Password</a:t>
+                      </a:r>
+                    </a:p>
+                  </a:txBody>
+                  <a:tcPr/>
+                </a:tc>
+                <a:extLst>
+                  <a:ext uri="{0D108BD9-81ED-4DB2-BD59-A6C34878D82A}">
+                    <a16:rowId xmlns:a16="http://schemas.microsoft.com/office/drawing/2014/main" val="1174549931"/>
+                  </a:ext>
+                </a:extLst>
+              </a:tr>
+              <a:tr h="370840">
+                <a:tc>
+                  <a:txBody>
+                    <a:bodyPr/>
+                    <a:lstStyle/>
+                    <a:p>
+                      <a:r>
+                        <a:rPr lang="en-GB" dirty="0"/>
+                        <a:t>Booking</a:t>
+                      </a:r>
+                    </a:p>
+                  </a:txBody>
+                  <a:tcPr/>
+                </a:tc>
+                <a:tc>
+                  <a:txBody>
+                    <a:bodyPr/>
+                    <a:lstStyle/>
+                    <a:p>
+                      <a:r>
+                        <a:rPr lang="en-GB" dirty="0" err="1"/>
+                        <a:t>BookingID</a:t>
+                      </a:r>
+                      <a:r>
+                        <a:rPr lang="en-GB" dirty="0"/>
+                        <a:t>, StartDate, </a:t>
+                      </a:r>
+                      <a:r>
+                        <a:rPr lang="en-GB" dirty="0" err="1"/>
+                        <a:t>EndDate</a:t>
+                      </a:r>
+                      <a:r>
+                        <a:rPr lang="en-GB" dirty="0"/>
+                        <a:t>, </a:t>
+                      </a:r>
+                      <a:r>
+                        <a:rPr lang="en-GB" dirty="0" err="1"/>
+                        <a:t>RoomID</a:t>
+                      </a:r>
+                      <a:r>
+                        <a:rPr lang="en-GB" dirty="0"/>
+                        <a:t> (FK)</a:t>
+                      </a:r>
+                    </a:p>
+                  </a:txBody>
+                  <a:tcPr/>
+                </a:tc>
+                <a:extLst>
+                  <a:ext uri="{0D108BD9-81ED-4DB2-BD59-A6C34878D82A}">
+                    <a16:rowId xmlns:a16="http://schemas.microsoft.com/office/drawing/2014/main" val="3452060251"/>
+                  </a:ext>
+                </a:extLst>
+              </a:tr>
+              <a:tr h="370840">
+                <a:tc>
+                  <a:txBody>
+                    <a:bodyPr/>
+                    <a:lstStyle/>
+                    <a:p>
+                      <a:r>
+                        <a:rPr lang="en-GB" dirty="0"/>
+                        <a:t>Tickets</a:t>
+                      </a:r>
+                    </a:p>
+                  </a:txBody>
+                  <a:tcPr/>
+                </a:tc>
+                <a:tc>
+                  <a:txBody>
+                    <a:bodyPr/>
+                    <a:lstStyle/>
+                    <a:p>
+                      <a:r>
+                        <a:rPr lang="en-GB" dirty="0" err="1"/>
+                        <a:t>TicketID</a:t>
+                      </a:r>
+                      <a:r>
+                        <a:rPr lang="en-GB" dirty="0"/>
+                        <a:t>, </a:t>
+                      </a:r>
+                      <a:r>
+                        <a:rPr lang="en-GB" dirty="0" err="1"/>
+                        <a:t>StartTime</a:t>
+                      </a:r>
+                      <a:r>
+                        <a:rPr lang="en-GB" dirty="0"/>
+                        <a:t>, </a:t>
+                      </a:r>
+                      <a:r>
+                        <a:rPr lang="en-GB" dirty="0" err="1"/>
+                        <a:t>EndTime</a:t>
+                      </a:r>
+                      <a:endParaRPr lang="en-GB" dirty="0"/>
+                    </a:p>
+                  </a:txBody>
+                  <a:tcPr/>
+                </a:tc>
+                <a:extLst>
+                  <a:ext uri="{0D108BD9-81ED-4DB2-BD59-A6C34878D82A}">
+                    <a16:rowId xmlns:a16="http://schemas.microsoft.com/office/drawing/2014/main" val="1456408391"/>
+                  </a:ext>
+                </a:extLst>
+              </a:tr>
+              <a:tr h="370840">
+                <a:tc>
+                  <a:txBody>
+                    <a:bodyPr/>
+                    <a:lstStyle/>
+                    <a:p>
+                      <a:r>
+                        <a:rPr lang="en-GB" dirty="0"/>
+                        <a:t>Animals</a:t>
+                      </a:r>
+                    </a:p>
+                  </a:txBody>
+                  <a:tcPr/>
+                </a:tc>
+                <a:tc>
+                  <a:txBody>
+                    <a:bodyPr/>
+                    <a:lstStyle/>
+                    <a:p>
+                      <a:r>
+                        <a:rPr lang="en-GB"/>
+                        <a:t>Animal</a:t>
+                      </a:r>
+                      <a:endParaRPr lang="en-GB" dirty="0"/>
+                    </a:p>
+                  </a:txBody>
+                  <a:tcPr/>
+                </a:tc>
+                <a:extLst>
+                  <a:ext uri="{0D108BD9-81ED-4DB2-BD59-A6C34878D82A}">
+                    <a16:rowId xmlns:a16="http://schemas.microsoft.com/office/drawing/2014/main" val="3102632000"/>
+                  </a:ext>
+                </a:extLst>
+              </a:tr>
+              <a:tr h="370840">
+                <a:tc>
+                  <a:txBody>
+                    <a:bodyPr/>
+                    <a:lstStyle/>
+                    <a:p>
+                      <a:r>
+                        <a:rPr lang="en-GB" dirty="0"/>
+                        <a:t>Rooms</a:t>
+                      </a:r>
+                    </a:p>
+                  </a:txBody>
+                  <a:tcPr/>
+                </a:tc>
+                <a:tc>
+                  <a:txBody>
+                    <a:bodyPr/>
+                    <a:lstStyle/>
+                    <a:p>
+                      <a:endParaRPr lang="en-GB" dirty="0"/>
+                    </a:p>
+                  </a:txBody>
+                  <a:tcPr/>
+                </a:tc>
+                <a:extLst>
+                  <a:ext uri="{0D108BD9-81ED-4DB2-BD59-A6C34878D82A}">
+                    <a16:rowId xmlns:a16="http://schemas.microsoft.com/office/drawing/2014/main" val="1139212662"/>
+                  </a:ext>
+                </a:extLst>
+              </a:tr>
+              <a:tr h="370840">
+                <a:tc>
+                  <a:txBody>
+                    <a:bodyPr/>
+                    <a:lstStyle/>
+                    <a:p>
+                      <a:r>
+                        <a:rPr lang="en-GB" dirty="0"/>
+                        <a:t>Facilities</a:t>
+                      </a:r>
+                    </a:p>
+                  </a:txBody>
+                  <a:tcPr/>
+                </a:tc>
+                <a:tc>
+                  <a:txBody>
+                    <a:bodyPr/>
+                    <a:lstStyle/>
+                    <a:p>
+                      <a:endParaRPr lang="en-GB" dirty="0"/>
+                    </a:p>
+                  </a:txBody>
+                  <a:tcPr/>
+                </a:tc>
+                <a:extLst>
+                  <a:ext uri="{0D108BD9-81ED-4DB2-BD59-A6C34878D82A}">
+                    <a16:rowId xmlns:a16="http://schemas.microsoft.com/office/drawing/2014/main" val="4069070703"/>
+                  </a:ext>
+                </a:extLst>
+              </a:tr>
+            </a:tbl>
+          </a:graphicData>
+        </a:graphic>
+      </p:graphicFrame>
+    </p:spTree>
+    <p:extLst>
+      <p:ext uri="{BB962C8B-B14F-4D97-AF65-F5344CB8AC3E}">
+        <p14:creationId xmlns:p14="http://schemas.microsoft.com/office/powerpoint/2010/main" val="1972279380"/>
+      </p:ext>
+    </p:extLst>
+  </p:cSld>
+  <p:clrMapOvr>
+    <a:masterClrMapping/>
+  </p:clrMapOvr>
 </p:sld>
 </file>
 
@@ -5886,7 +6515,7 @@
           <a:p>
             <a:pPr algn="ctr"/>
             <a:r>
-              <a:rPr lang="en-US" sz="2600" kern="1200">
+              <a:rPr lang="en-US" sz="2600" kern="1200" dirty="0">
                 <a:solidFill>
                   <a:schemeClr val="bg1"/>
                 </a:solidFill>
@@ -5894,8 +6523,24 @@
                 <a:ea typeface="+mj-ea"/>
                 <a:cs typeface="+mj-cs"/>
               </a:rPr>
-              <a:t>Flow Diagrams</a:t>
-            </a:r>
+              <a:t>Flow </a:t>
+            </a:r>
+            <a:r>
+              <a:rPr lang="en-US" sz="2600" dirty="0">
+                <a:solidFill>
+                  <a:schemeClr val="bg1"/>
+                </a:solidFill>
+              </a:rPr>
+              <a:t>Charts</a:t>
+            </a:r>
+            <a:endParaRPr lang="en-US" sz="2600" kern="1200" dirty="0">
+              <a:solidFill>
+                <a:schemeClr val="bg1"/>
+              </a:solidFill>
+              <a:latin typeface="+mj-lt"/>
+              <a:ea typeface="+mj-ea"/>
+              <a:cs typeface="+mj-cs"/>
+            </a:endParaRPr>
           </a:p>
         </p:txBody>
       </p:sp>
@@ -6027,8 +6672,8 @@
           <a:p>
             <a:pPr algn="ctr"/>
             <a:r>
-              <a:rPr lang="en-US" sz="5200"/>
-              <a:t>Other things:</a:t>
+              <a:rPr lang="en-US" sz="5200" dirty="0"/>
+              <a:t>Hierarchies:</a:t>
             </a:r>
           </a:p>
         </p:txBody>
@@ -6128,7 +6773,7 @@
           <p:cNvPr id="2" name="Title 1">
             <a:extLst>
               <a:ext uri="{FF2B5EF4-FFF2-40B4-BE49-F238E27FC236}">
-                <a16:creationId xmlns:a16="http://schemas.microsoft.com/office/drawing/2014/main" id="{A1A144F5-930C-D94C-9FE7-159736519B20}"/>
+                <a16:creationId xmlns:a16="http://schemas.microsoft.com/office/drawing/2014/main" id="{100DBA0A-4847-C30B-F472-9EA2A7611088}"/>
               </a:ext>
             </a:extLst>
           </p:cNvPr>
@@ -6146,61 +6791,45 @@
           <a:p>
             <a:r>
               <a:rPr lang="en-GB" dirty="0"/>
-              <a:t>Additional Notes:</a:t>
-            </a:r>
-          </a:p>
-        </p:txBody>
-      </p:sp>
-      <p:sp>
-        <p:nvSpPr>
-          <p:cNvPr id="3" name="Content Placeholder 2">
-            <a:extLst>
-              <a:ext uri="{FF2B5EF4-FFF2-40B4-BE49-F238E27FC236}">
-                <a16:creationId xmlns:a16="http://schemas.microsoft.com/office/drawing/2014/main" id="{1F8460D3-F5F4-A256-25EF-0DC07B005728}"/>
-              </a:ext>
-            </a:extLst>
-          </p:cNvPr>
-          <p:cNvSpPr>
-            <a:spLocks noGrp="1"/>
-          </p:cNvSpPr>
-          <p:nvPr>
-            <p:ph idx="1"/>
-          </p:nvPr>
-        </p:nvSpPr>
-        <p:spPr/>
-        <p:txBody>
-          <a:bodyPr/>
-          <a:lstStyle/>
-          <a:p>
-            <a:r>
-              <a:rPr lang="en-GB" dirty="0"/>
-              <a:t>Explain everything in detail</a:t>
-            </a:r>
-          </a:p>
-          <a:p>
-            <a:r>
-              <a:rPr lang="en-GB" dirty="0"/>
-              <a:t>Detail</a:t>
-            </a:r>
-          </a:p>
-          <a:p>
-            <a:r>
-              <a:rPr lang="en-GB" dirty="0"/>
-              <a:t>Detail</a:t>
-            </a:r>
-          </a:p>
-          <a:p>
-            <a:r>
-              <a:rPr lang="en-GB" dirty="0"/>
-              <a:t>TOO MUCH DETAIL</a:t>
-            </a:r>
-          </a:p>
-        </p:txBody>
-      </p:sp>
+              <a:t>Self-Created Hierarchy:</a:t>
+            </a:r>
+          </a:p>
+        </p:txBody>
+      </p:sp>
+      <p:pic>
+        <p:nvPicPr>
+          <p:cNvPr id="5" name="Picture 4">
+            <a:extLst>
+              <a:ext uri="{FF2B5EF4-FFF2-40B4-BE49-F238E27FC236}">
+                <a16:creationId xmlns:a16="http://schemas.microsoft.com/office/drawing/2014/main" id="{BE0CF8E7-91AC-1F6E-DECF-3A3829057E50}"/>
+              </a:ext>
+            </a:extLst>
+          </p:cNvPr>
+          <p:cNvPicPr>
+            <a:picLocks noChangeAspect="1"/>
+          </p:cNvPicPr>
+          <p:nvPr/>
+        </p:nvPicPr>
+        <p:blipFill>
+          <a:blip r:embed="rId2"/>
+          <a:stretch>
+            <a:fillRect/>
+          </a:stretch>
+        </p:blipFill>
+        <p:spPr>
+          <a:xfrm>
+            <a:off x="2142573" y="1854219"/>
+            <a:ext cx="7906853" cy="3429479"/>
+          </a:xfrm>
+          <a:prstGeom prst="rect">
+            <a:avLst/>
+          </a:prstGeom>
+        </p:spPr>
+      </p:pic>
     </p:spTree>
     <p:extLst>
       <p:ext uri="{BB962C8B-B14F-4D97-AF65-F5344CB8AC3E}">
-        <p14:creationId xmlns:p14="http://schemas.microsoft.com/office/powerpoint/2010/main" val="708403527"/>
+        <p14:creationId xmlns:p14="http://schemas.microsoft.com/office/powerpoint/2010/main" val="3259373425"/>
       </p:ext>
     </p:extLst>
   </p:cSld>
